--- a/ppt 16-9/0615.主是甘霖.pptx
+++ b/ppt 16-9/0615.主是甘霖.pptx
@@ -129,7 +129,7 @@
           <p:cNvPr id="2" name="标题 1">
             <a:extLst>
               <a:ext uri="{FF2B5EF4-FFF2-40B4-BE49-F238E27FC236}">
-                <a16:creationId xmlns:a16="http://schemas.microsoft.com/office/drawing/2014/main" id="{73FD78F0-029C-0629-0CF9-4C250F4B7A9A}"/>
+                <a16:creationId xmlns:a16="http://schemas.microsoft.com/office/drawing/2014/main" id="{411E63C1-B9AF-098F-5DDD-CE6C8087DC56}"/>
               </a:ext>
             </a:extLst>
           </p:cNvPr>
@@ -166,7 +166,7 @@
           <p:cNvPr id="3" name="副标题 2">
             <a:extLst>
               <a:ext uri="{FF2B5EF4-FFF2-40B4-BE49-F238E27FC236}">
-                <a16:creationId xmlns:a16="http://schemas.microsoft.com/office/drawing/2014/main" id="{043EC825-883A-578A-CC1D-C68713791E8A}"/>
+                <a16:creationId xmlns:a16="http://schemas.microsoft.com/office/drawing/2014/main" id="{6E92851A-D26F-B376-DFAC-62509745B964}"/>
               </a:ext>
             </a:extLst>
           </p:cNvPr>
@@ -236,7 +236,7 @@
           <p:cNvPr id="4" name="日期占位符 3">
             <a:extLst>
               <a:ext uri="{FF2B5EF4-FFF2-40B4-BE49-F238E27FC236}">
-                <a16:creationId xmlns:a16="http://schemas.microsoft.com/office/drawing/2014/main" id="{DF7D5B52-3211-F047-46E4-24564E0E3DA3}"/>
+                <a16:creationId xmlns:a16="http://schemas.microsoft.com/office/drawing/2014/main" id="{2193F390-D2FC-7AAA-7D37-A215CE1D0517}"/>
               </a:ext>
             </a:extLst>
           </p:cNvPr>
@@ -252,7 +252,7 @@
           <a:bodyPr/>
           <a:lstStyle/>
           <a:p>
-            <a:fld id="{653CF693-36C1-4AFC-98DB-A7466A32F433}" type="datetimeFigureOut">
+            <a:fld id="{0F7B5037-AECD-4101-949F-E818031DC580}" type="datetimeFigureOut">
               <a:rPr lang="zh-CN" altLang="en-US" smtClean="0"/>
               <a:t>2024/3/10</a:t>
             </a:fld>
@@ -265,7 +265,7 @@
           <p:cNvPr id="5" name="页脚占位符 4">
             <a:extLst>
               <a:ext uri="{FF2B5EF4-FFF2-40B4-BE49-F238E27FC236}">
-                <a16:creationId xmlns:a16="http://schemas.microsoft.com/office/drawing/2014/main" id="{0348FFF1-62EC-765F-3AAA-CC7C5D218269}"/>
+                <a16:creationId xmlns:a16="http://schemas.microsoft.com/office/drawing/2014/main" id="{D6646D36-6DF6-41A7-2F73-BCE3E2C205EC}"/>
               </a:ext>
             </a:extLst>
           </p:cNvPr>
@@ -290,7 +290,7 @@
           <p:cNvPr id="6" name="灯片编号占位符 5">
             <a:extLst>
               <a:ext uri="{FF2B5EF4-FFF2-40B4-BE49-F238E27FC236}">
-                <a16:creationId xmlns:a16="http://schemas.microsoft.com/office/drawing/2014/main" id="{ACD0196A-8B15-B4B5-E5E7-8AFE00280E32}"/>
+                <a16:creationId xmlns:a16="http://schemas.microsoft.com/office/drawing/2014/main" id="{D198F2F8-E59C-C2A5-7E00-53032315C63B}"/>
               </a:ext>
             </a:extLst>
           </p:cNvPr>
@@ -306,7 +306,7 @@
           <a:bodyPr/>
           <a:lstStyle/>
           <a:p>
-            <a:fld id="{A1195776-DFCB-4824-B2CF-49143300E092}" type="slidenum">
+            <a:fld id="{02F38C86-35F3-4838-8C96-5D29188CB07E}" type="slidenum">
               <a:rPr lang="zh-CN" altLang="en-US" smtClean="0"/>
               <a:t>‹#›</a:t>
             </a:fld>
@@ -317,7 +317,7 @@
     </p:spTree>
     <p:extLst>
       <p:ext uri="{BB962C8B-B14F-4D97-AF65-F5344CB8AC3E}">
-        <p14:creationId xmlns:p14="http://schemas.microsoft.com/office/powerpoint/2010/main" val="1223220224"/>
+        <p14:creationId xmlns:p14="http://schemas.microsoft.com/office/powerpoint/2010/main" val="3915962816"/>
       </p:ext>
     </p:extLst>
   </p:cSld>
@@ -349,7 +349,7 @@
           <p:cNvPr id="2" name="标题 1">
             <a:extLst>
               <a:ext uri="{FF2B5EF4-FFF2-40B4-BE49-F238E27FC236}">
-                <a16:creationId xmlns:a16="http://schemas.microsoft.com/office/drawing/2014/main" id="{A7578021-89F6-A860-F8CE-89911E12233D}"/>
+                <a16:creationId xmlns:a16="http://schemas.microsoft.com/office/drawing/2014/main" id="{EFDD770E-9B51-4277-CA9A-F0795F3DD6C8}"/>
               </a:ext>
             </a:extLst>
           </p:cNvPr>
@@ -377,7 +377,7 @@
           <p:cNvPr id="3" name="竖排文字占位符 2">
             <a:extLst>
               <a:ext uri="{FF2B5EF4-FFF2-40B4-BE49-F238E27FC236}">
-                <a16:creationId xmlns:a16="http://schemas.microsoft.com/office/drawing/2014/main" id="{78498815-F444-A813-71F1-74DE732DD230}"/>
+                <a16:creationId xmlns:a16="http://schemas.microsoft.com/office/drawing/2014/main" id="{1A572FA2-E7C6-62A4-BD30-9D7ABA3EC71F}"/>
               </a:ext>
             </a:extLst>
           </p:cNvPr>
@@ -434,7 +434,7 @@
           <p:cNvPr id="4" name="日期占位符 3">
             <a:extLst>
               <a:ext uri="{FF2B5EF4-FFF2-40B4-BE49-F238E27FC236}">
-                <a16:creationId xmlns:a16="http://schemas.microsoft.com/office/drawing/2014/main" id="{C80AC0F6-EF55-5BD8-517A-30DD3FB63857}"/>
+                <a16:creationId xmlns:a16="http://schemas.microsoft.com/office/drawing/2014/main" id="{62A2365A-CE61-6714-FC90-F77B752B2285}"/>
               </a:ext>
             </a:extLst>
           </p:cNvPr>
@@ -450,7 +450,7 @@
           <a:bodyPr/>
           <a:lstStyle/>
           <a:p>
-            <a:fld id="{653CF693-36C1-4AFC-98DB-A7466A32F433}" type="datetimeFigureOut">
+            <a:fld id="{0F7B5037-AECD-4101-949F-E818031DC580}" type="datetimeFigureOut">
               <a:rPr lang="zh-CN" altLang="en-US" smtClean="0"/>
               <a:t>2024/3/10</a:t>
             </a:fld>
@@ -463,7 +463,7 @@
           <p:cNvPr id="5" name="页脚占位符 4">
             <a:extLst>
               <a:ext uri="{FF2B5EF4-FFF2-40B4-BE49-F238E27FC236}">
-                <a16:creationId xmlns:a16="http://schemas.microsoft.com/office/drawing/2014/main" id="{8E9C53A8-AB00-0A22-7AED-1CE07E257817}"/>
+                <a16:creationId xmlns:a16="http://schemas.microsoft.com/office/drawing/2014/main" id="{A870EA44-5F61-1C07-C449-7E24398FF91D}"/>
               </a:ext>
             </a:extLst>
           </p:cNvPr>
@@ -488,7 +488,7 @@
           <p:cNvPr id="6" name="灯片编号占位符 5">
             <a:extLst>
               <a:ext uri="{FF2B5EF4-FFF2-40B4-BE49-F238E27FC236}">
-                <a16:creationId xmlns:a16="http://schemas.microsoft.com/office/drawing/2014/main" id="{723CDB04-3E87-6A6F-4318-5199074A1E78}"/>
+                <a16:creationId xmlns:a16="http://schemas.microsoft.com/office/drawing/2014/main" id="{188AA572-0A71-39C6-7530-0EF0AE6E140D}"/>
               </a:ext>
             </a:extLst>
           </p:cNvPr>
@@ -504,7 +504,7 @@
           <a:bodyPr/>
           <a:lstStyle/>
           <a:p>
-            <a:fld id="{A1195776-DFCB-4824-B2CF-49143300E092}" type="slidenum">
+            <a:fld id="{02F38C86-35F3-4838-8C96-5D29188CB07E}" type="slidenum">
               <a:rPr lang="zh-CN" altLang="en-US" smtClean="0"/>
               <a:t>‹#›</a:t>
             </a:fld>
@@ -515,7 +515,7 @@
     </p:spTree>
     <p:extLst>
       <p:ext uri="{BB962C8B-B14F-4D97-AF65-F5344CB8AC3E}">
-        <p14:creationId xmlns:p14="http://schemas.microsoft.com/office/powerpoint/2010/main" val="2795778358"/>
+        <p14:creationId xmlns:p14="http://schemas.microsoft.com/office/powerpoint/2010/main" val="1855603435"/>
       </p:ext>
     </p:extLst>
   </p:cSld>
@@ -547,7 +547,7 @@
           <p:cNvPr id="2" name="竖排标题 1">
             <a:extLst>
               <a:ext uri="{FF2B5EF4-FFF2-40B4-BE49-F238E27FC236}">
-                <a16:creationId xmlns:a16="http://schemas.microsoft.com/office/drawing/2014/main" id="{A8F9DC82-CE89-7259-A980-61595718841F}"/>
+                <a16:creationId xmlns:a16="http://schemas.microsoft.com/office/drawing/2014/main" id="{B586E8D2-C523-621C-D2CA-FE3222184473}"/>
               </a:ext>
             </a:extLst>
           </p:cNvPr>
@@ -580,7 +580,7 @@
           <p:cNvPr id="3" name="竖排文字占位符 2">
             <a:extLst>
               <a:ext uri="{FF2B5EF4-FFF2-40B4-BE49-F238E27FC236}">
-                <a16:creationId xmlns:a16="http://schemas.microsoft.com/office/drawing/2014/main" id="{A1769047-2440-EC4E-4F30-1017500DF5C8}"/>
+                <a16:creationId xmlns:a16="http://schemas.microsoft.com/office/drawing/2014/main" id="{5B50E2AE-5715-04F7-B774-D3D13EEA6E1F}"/>
               </a:ext>
             </a:extLst>
           </p:cNvPr>
@@ -642,7 +642,7 @@
           <p:cNvPr id="4" name="日期占位符 3">
             <a:extLst>
               <a:ext uri="{FF2B5EF4-FFF2-40B4-BE49-F238E27FC236}">
-                <a16:creationId xmlns:a16="http://schemas.microsoft.com/office/drawing/2014/main" id="{4BC38D17-FEFB-25F6-9BDB-00B3D84C51C7}"/>
+                <a16:creationId xmlns:a16="http://schemas.microsoft.com/office/drawing/2014/main" id="{4EDC546C-CC38-F384-4870-FA11CE93B910}"/>
               </a:ext>
             </a:extLst>
           </p:cNvPr>
@@ -658,7 +658,7 @@
           <a:bodyPr/>
           <a:lstStyle/>
           <a:p>
-            <a:fld id="{653CF693-36C1-4AFC-98DB-A7466A32F433}" type="datetimeFigureOut">
+            <a:fld id="{0F7B5037-AECD-4101-949F-E818031DC580}" type="datetimeFigureOut">
               <a:rPr lang="zh-CN" altLang="en-US" smtClean="0"/>
               <a:t>2024/3/10</a:t>
             </a:fld>
@@ -671,7 +671,7 @@
           <p:cNvPr id="5" name="页脚占位符 4">
             <a:extLst>
               <a:ext uri="{FF2B5EF4-FFF2-40B4-BE49-F238E27FC236}">
-                <a16:creationId xmlns:a16="http://schemas.microsoft.com/office/drawing/2014/main" id="{28F5F8C4-9DB9-2320-E0BF-45DF8E4B2AA8}"/>
+                <a16:creationId xmlns:a16="http://schemas.microsoft.com/office/drawing/2014/main" id="{41DAAEC0-69D1-5584-8357-E6BA47C044E2}"/>
               </a:ext>
             </a:extLst>
           </p:cNvPr>
@@ -696,7 +696,7 @@
           <p:cNvPr id="6" name="灯片编号占位符 5">
             <a:extLst>
               <a:ext uri="{FF2B5EF4-FFF2-40B4-BE49-F238E27FC236}">
-                <a16:creationId xmlns:a16="http://schemas.microsoft.com/office/drawing/2014/main" id="{7BD49055-B04F-BED0-3F7E-4F6AF0B79878}"/>
+                <a16:creationId xmlns:a16="http://schemas.microsoft.com/office/drawing/2014/main" id="{39914326-7DB2-2A5B-EEB2-AEF36A0B417E}"/>
               </a:ext>
             </a:extLst>
           </p:cNvPr>
@@ -712,7 +712,7 @@
           <a:bodyPr/>
           <a:lstStyle/>
           <a:p>
-            <a:fld id="{A1195776-DFCB-4824-B2CF-49143300E092}" type="slidenum">
+            <a:fld id="{02F38C86-35F3-4838-8C96-5D29188CB07E}" type="slidenum">
               <a:rPr lang="zh-CN" altLang="en-US" smtClean="0"/>
               <a:t>‹#›</a:t>
             </a:fld>
@@ -723,7 +723,7 @@
     </p:spTree>
     <p:extLst>
       <p:ext uri="{BB962C8B-B14F-4D97-AF65-F5344CB8AC3E}">
-        <p14:creationId xmlns:p14="http://schemas.microsoft.com/office/powerpoint/2010/main" val="4087197696"/>
+        <p14:creationId xmlns:p14="http://schemas.microsoft.com/office/powerpoint/2010/main" val="1314684766"/>
       </p:ext>
     </p:extLst>
   </p:cSld>
@@ -755,7 +755,7 @@
           <p:cNvPr id="2" name="标题 1">
             <a:extLst>
               <a:ext uri="{FF2B5EF4-FFF2-40B4-BE49-F238E27FC236}">
-                <a16:creationId xmlns:a16="http://schemas.microsoft.com/office/drawing/2014/main" id="{C5403819-DA2B-05D6-AB69-059B30CBE25A}"/>
+                <a16:creationId xmlns:a16="http://schemas.microsoft.com/office/drawing/2014/main" id="{6AE416BD-6167-0C4B-A0BD-949A9F6354F7}"/>
               </a:ext>
             </a:extLst>
           </p:cNvPr>
@@ -783,7 +783,7 @@
           <p:cNvPr id="3" name="内容占位符 2">
             <a:extLst>
               <a:ext uri="{FF2B5EF4-FFF2-40B4-BE49-F238E27FC236}">
-                <a16:creationId xmlns:a16="http://schemas.microsoft.com/office/drawing/2014/main" id="{AA01D290-B0FE-6FF9-26E3-E0DF5241902A}"/>
+                <a16:creationId xmlns:a16="http://schemas.microsoft.com/office/drawing/2014/main" id="{6E9371CB-4794-7573-9BC5-385D73F95C52}"/>
               </a:ext>
             </a:extLst>
           </p:cNvPr>
@@ -840,7 +840,7 @@
           <p:cNvPr id="4" name="日期占位符 3">
             <a:extLst>
               <a:ext uri="{FF2B5EF4-FFF2-40B4-BE49-F238E27FC236}">
-                <a16:creationId xmlns:a16="http://schemas.microsoft.com/office/drawing/2014/main" id="{8F47713F-29E3-BD56-08BB-4618CBBFFDA0}"/>
+                <a16:creationId xmlns:a16="http://schemas.microsoft.com/office/drawing/2014/main" id="{A9D01686-0CFD-B05F-47DF-67B57D3F1C68}"/>
               </a:ext>
             </a:extLst>
           </p:cNvPr>
@@ -856,7 +856,7 @@
           <a:bodyPr/>
           <a:lstStyle/>
           <a:p>
-            <a:fld id="{653CF693-36C1-4AFC-98DB-A7466A32F433}" type="datetimeFigureOut">
+            <a:fld id="{0F7B5037-AECD-4101-949F-E818031DC580}" type="datetimeFigureOut">
               <a:rPr lang="zh-CN" altLang="en-US" smtClean="0"/>
               <a:t>2024/3/10</a:t>
             </a:fld>
@@ -869,7 +869,7 @@
           <p:cNvPr id="5" name="页脚占位符 4">
             <a:extLst>
               <a:ext uri="{FF2B5EF4-FFF2-40B4-BE49-F238E27FC236}">
-                <a16:creationId xmlns:a16="http://schemas.microsoft.com/office/drawing/2014/main" id="{941C58C6-1256-FA14-3294-16D102AF1DDA}"/>
+                <a16:creationId xmlns:a16="http://schemas.microsoft.com/office/drawing/2014/main" id="{6F967266-58FF-EAEE-6F47-6D7754F810FD}"/>
               </a:ext>
             </a:extLst>
           </p:cNvPr>
@@ -894,7 +894,7 @@
           <p:cNvPr id="6" name="灯片编号占位符 5">
             <a:extLst>
               <a:ext uri="{FF2B5EF4-FFF2-40B4-BE49-F238E27FC236}">
-                <a16:creationId xmlns:a16="http://schemas.microsoft.com/office/drawing/2014/main" id="{8F2A97EB-7508-8795-BFB6-5FBF6E7A4417}"/>
+                <a16:creationId xmlns:a16="http://schemas.microsoft.com/office/drawing/2014/main" id="{4190E397-F1D0-2352-CA7D-CA766C186708}"/>
               </a:ext>
             </a:extLst>
           </p:cNvPr>
@@ -910,7 +910,7 @@
           <a:bodyPr/>
           <a:lstStyle/>
           <a:p>
-            <a:fld id="{A1195776-DFCB-4824-B2CF-49143300E092}" type="slidenum">
+            <a:fld id="{02F38C86-35F3-4838-8C96-5D29188CB07E}" type="slidenum">
               <a:rPr lang="zh-CN" altLang="en-US" smtClean="0"/>
               <a:t>‹#›</a:t>
             </a:fld>
@@ -921,7 +921,7 @@
     </p:spTree>
     <p:extLst>
       <p:ext uri="{BB962C8B-B14F-4D97-AF65-F5344CB8AC3E}">
-        <p14:creationId xmlns:p14="http://schemas.microsoft.com/office/powerpoint/2010/main" val="292581136"/>
+        <p14:creationId xmlns:p14="http://schemas.microsoft.com/office/powerpoint/2010/main" val="786450308"/>
       </p:ext>
     </p:extLst>
   </p:cSld>
@@ -953,7 +953,7 @@
           <p:cNvPr id="2" name="标题 1">
             <a:extLst>
               <a:ext uri="{FF2B5EF4-FFF2-40B4-BE49-F238E27FC236}">
-                <a16:creationId xmlns:a16="http://schemas.microsoft.com/office/drawing/2014/main" id="{73EE0FA8-0C7D-F6CE-1AA2-2EC7A68036B1}"/>
+                <a16:creationId xmlns:a16="http://schemas.microsoft.com/office/drawing/2014/main" id="{8EA3D180-1345-95C3-6F78-E8F4E30F1B26}"/>
               </a:ext>
             </a:extLst>
           </p:cNvPr>
@@ -990,7 +990,7 @@
           <p:cNvPr id="3" name="文本占位符 2">
             <a:extLst>
               <a:ext uri="{FF2B5EF4-FFF2-40B4-BE49-F238E27FC236}">
-                <a16:creationId xmlns:a16="http://schemas.microsoft.com/office/drawing/2014/main" id="{62CA97BD-D74A-6B81-8D7C-DCB2DEE0E8C6}"/>
+                <a16:creationId xmlns:a16="http://schemas.microsoft.com/office/drawing/2014/main" id="{17353741-979E-9C06-00B4-A31C195DD41F}"/>
               </a:ext>
             </a:extLst>
           </p:cNvPr>
@@ -1115,7 +1115,7 @@
           <p:cNvPr id="4" name="日期占位符 3">
             <a:extLst>
               <a:ext uri="{FF2B5EF4-FFF2-40B4-BE49-F238E27FC236}">
-                <a16:creationId xmlns:a16="http://schemas.microsoft.com/office/drawing/2014/main" id="{F9877E28-1371-A501-D68A-FF5FD0DEE723}"/>
+                <a16:creationId xmlns:a16="http://schemas.microsoft.com/office/drawing/2014/main" id="{F94B8DB2-DA79-9652-D2AE-6B3AD2450DEB}"/>
               </a:ext>
             </a:extLst>
           </p:cNvPr>
@@ -1131,7 +1131,7 @@
           <a:bodyPr/>
           <a:lstStyle/>
           <a:p>
-            <a:fld id="{653CF693-36C1-4AFC-98DB-A7466A32F433}" type="datetimeFigureOut">
+            <a:fld id="{0F7B5037-AECD-4101-949F-E818031DC580}" type="datetimeFigureOut">
               <a:rPr lang="zh-CN" altLang="en-US" smtClean="0"/>
               <a:t>2024/3/10</a:t>
             </a:fld>
@@ -1144,7 +1144,7 @@
           <p:cNvPr id="5" name="页脚占位符 4">
             <a:extLst>
               <a:ext uri="{FF2B5EF4-FFF2-40B4-BE49-F238E27FC236}">
-                <a16:creationId xmlns:a16="http://schemas.microsoft.com/office/drawing/2014/main" id="{9771644E-B62C-C08B-C3DA-6247068710B0}"/>
+                <a16:creationId xmlns:a16="http://schemas.microsoft.com/office/drawing/2014/main" id="{84A66962-69CA-C045-B365-1A7703F86BF8}"/>
               </a:ext>
             </a:extLst>
           </p:cNvPr>
@@ -1169,7 +1169,7 @@
           <p:cNvPr id="6" name="灯片编号占位符 5">
             <a:extLst>
               <a:ext uri="{FF2B5EF4-FFF2-40B4-BE49-F238E27FC236}">
-                <a16:creationId xmlns:a16="http://schemas.microsoft.com/office/drawing/2014/main" id="{B038DE45-D3DF-93AF-B43C-47E0081EB432}"/>
+                <a16:creationId xmlns:a16="http://schemas.microsoft.com/office/drawing/2014/main" id="{81E69B67-B1A4-897F-8FF1-0195DCB9E01F}"/>
               </a:ext>
             </a:extLst>
           </p:cNvPr>
@@ -1185,7 +1185,7 @@
           <a:bodyPr/>
           <a:lstStyle/>
           <a:p>
-            <a:fld id="{A1195776-DFCB-4824-B2CF-49143300E092}" type="slidenum">
+            <a:fld id="{02F38C86-35F3-4838-8C96-5D29188CB07E}" type="slidenum">
               <a:rPr lang="zh-CN" altLang="en-US" smtClean="0"/>
               <a:t>‹#›</a:t>
             </a:fld>
@@ -1196,7 +1196,7 @@
     </p:spTree>
     <p:extLst>
       <p:ext uri="{BB962C8B-B14F-4D97-AF65-F5344CB8AC3E}">
-        <p14:creationId xmlns:p14="http://schemas.microsoft.com/office/powerpoint/2010/main" val="3697255650"/>
+        <p14:creationId xmlns:p14="http://schemas.microsoft.com/office/powerpoint/2010/main" val="2899730733"/>
       </p:ext>
     </p:extLst>
   </p:cSld>
@@ -1228,7 +1228,7 @@
           <p:cNvPr id="2" name="标题 1">
             <a:extLst>
               <a:ext uri="{FF2B5EF4-FFF2-40B4-BE49-F238E27FC236}">
-                <a16:creationId xmlns:a16="http://schemas.microsoft.com/office/drawing/2014/main" id="{D1D39B9F-ED3D-E907-9CC2-3B65C42E5675}"/>
+                <a16:creationId xmlns:a16="http://schemas.microsoft.com/office/drawing/2014/main" id="{60ACF2D2-E220-4C91-1B4C-49F1B1D1541B}"/>
               </a:ext>
             </a:extLst>
           </p:cNvPr>
@@ -1256,7 +1256,7 @@
           <p:cNvPr id="3" name="内容占位符 2">
             <a:extLst>
               <a:ext uri="{FF2B5EF4-FFF2-40B4-BE49-F238E27FC236}">
-                <a16:creationId xmlns:a16="http://schemas.microsoft.com/office/drawing/2014/main" id="{7212B0AC-94EF-0006-01E8-0FDB9B94A163}"/>
+                <a16:creationId xmlns:a16="http://schemas.microsoft.com/office/drawing/2014/main" id="{EA38042E-8889-68D6-D2DB-B3FB3F2AFD54}"/>
               </a:ext>
             </a:extLst>
           </p:cNvPr>
@@ -1318,7 +1318,7 @@
           <p:cNvPr id="4" name="内容占位符 3">
             <a:extLst>
               <a:ext uri="{FF2B5EF4-FFF2-40B4-BE49-F238E27FC236}">
-                <a16:creationId xmlns:a16="http://schemas.microsoft.com/office/drawing/2014/main" id="{2D3150D5-6A76-1469-05B0-724BD550FABD}"/>
+                <a16:creationId xmlns:a16="http://schemas.microsoft.com/office/drawing/2014/main" id="{83F5F58C-E0EF-3ED1-43D3-DDE87E16FB50}"/>
               </a:ext>
             </a:extLst>
           </p:cNvPr>
@@ -1380,7 +1380,7 @@
           <p:cNvPr id="5" name="日期占位符 4">
             <a:extLst>
               <a:ext uri="{FF2B5EF4-FFF2-40B4-BE49-F238E27FC236}">
-                <a16:creationId xmlns:a16="http://schemas.microsoft.com/office/drawing/2014/main" id="{BD7EB7CF-87C9-B9D1-D1B7-32A68C655863}"/>
+                <a16:creationId xmlns:a16="http://schemas.microsoft.com/office/drawing/2014/main" id="{194AACA3-713C-A60D-D6DC-7878B3646E28}"/>
               </a:ext>
             </a:extLst>
           </p:cNvPr>
@@ -1396,7 +1396,7 @@
           <a:bodyPr/>
           <a:lstStyle/>
           <a:p>
-            <a:fld id="{653CF693-36C1-4AFC-98DB-A7466A32F433}" type="datetimeFigureOut">
+            <a:fld id="{0F7B5037-AECD-4101-949F-E818031DC580}" type="datetimeFigureOut">
               <a:rPr lang="zh-CN" altLang="en-US" smtClean="0"/>
               <a:t>2024/3/10</a:t>
             </a:fld>
@@ -1409,7 +1409,7 @@
           <p:cNvPr id="6" name="页脚占位符 5">
             <a:extLst>
               <a:ext uri="{FF2B5EF4-FFF2-40B4-BE49-F238E27FC236}">
-                <a16:creationId xmlns:a16="http://schemas.microsoft.com/office/drawing/2014/main" id="{83061C58-A6D2-9E0E-9794-E7AA5C241F44}"/>
+                <a16:creationId xmlns:a16="http://schemas.microsoft.com/office/drawing/2014/main" id="{797E9863-80C0-4DF9-B522-D84B9DF02799}"/>
               </a:ext>
             </a:extLst>
           </p:cNvPr>
@@ -1434,7 +1434,7 @@
           <p:cNvPr id="7" name="灯片编号占位符 6">
             <a:extLst>
               <a:ext uri="{FF2B5EF4-FFF2-40B4-BE49-F238E27FC236}">
-                <a16:creationId xmlns:a16="http://schemas.microsoft.com/office/drawing/2014/main" id="{E6FEB4E0-92B3-3283-6538-18DA467C6004}"/>
+                <a16:creationId xmlns:a16="http://schemas.microsoft.com/office/drawing/2014/main" id="{EFFCC158-FE0C-4FAA-1994-F6ECA56F7AC2}"/>
               </a:ext>
             </a:extLst>
           </p:cNvPr>
@@ -1450,7 +1450,7 @@
           <a:bodyPr/>
           <a:lstStyle/>
           <a:p>
-            <a:fld id="{A1195776-DFCB-4824-B2CF-49143300E092}" type="slidenum">
+            <a:fld id="{02F38C86-35F3-4838-8C96-5D29188CB07E}" type="slidenum">
               <a:rPr lang="zh-CN" altLang="en-US" smtClean="0"/>
               <a:t>‹#›</a:t>
             </a:fld>
@@ -1461,7 +1461,7 @@
     </p:spTree>
     <p:extLst>
       <p:ext uri="{BB962C8B-B14F-4D97-AF65-F5344CB8AC3E}">
-        <p14:creationId xmlns:p14="http://schemas.microsoft.com/office/powerpoint/2010/main" val="2279477632"/>
+        <p14:creationId xmlns:p14="http://schemas.microsoft.com/office/powerpoint/2010/main" val="3686249319"/>
       </p:ext>
     </p:extLst>
   </p:cSld>
@@ -1493,7 +1493,7 @@
           <p:cNvPr id="2" name="标题 1">
             <a:extLst>
               <a:ext uri="{FF2B5EF4-FFF2-40B4-BE49-F238E27FC236}">
-                <a16:creationId xmlns:a16="http://schemas.microsoft.com/office/drawing/2014/main" id="{0F500D96-FF46-9807-F79E-10462E2B154D}"/>
+                <a16:creationId xmlns:a16="http://schemas.microsoft.com/office/drawing/2014/main" id="{4C4EB6B4-0B3D-4C58-1776-343197D666BC}"/>
               </a:ext>
             </a:extLst>
           </p:cNvPr>
@@ -1526,7 +1526,7 @@
           <p:cNvPr id="3" name="文本占位符 2">
             <a:extLst>
               <a:ext uri="{FF2B5EF4-FFF2-40B4-BE49-F238E27FC236}">
-                <a16:creationId xmlns:a16="http://schemas.microsoft.com/office/drawing/2014/main" id="{79B69C5F-933C-7BA6-F97D-FAA62E68AEA1}"/>
+                <a16:creationId xmlns:a16="http://schemas.microsoft.com/office/drawing/2014/main" id="{B1E44646-E659-9396-14F0-F51CBFD73F32}"/>
               </a:ext>
             </a:extLst>
           </p:cNvPr>
@@ -1597,7 +1597,7 @@
           <p:cNvPr id="4" name="内容占位符 3">
             <a:extLst>
               <a:ext uri="{FF2B5EF4-FFF2-40B4-BE49-F238E27FC236}">
-                <a16:creationId xmlns:a16="http://schemas.microsoft.com/office/drawing/2014/main" id="{3BA3124D-B850-DCF2-D2CD-D57AF48C045D}"/>
+                <a16:creationId xmlns:a16="http://schemas.microsoft.com/office/drawing/2014/main" id="{1AE0492B-7C34-3101-8FDF-C64C5FD9D669}"/>
               </a:ext>
             </a:extLst>
           </p:cNvPr>
@@ -1659,7 +1659,7 @@
           <p:cNvPr id="5" name="文本占位符 4">
             <a:extLst>
               <a:ext uri="{FF2B5EF4-FFF2-40B4-BE49-F238E27FC236}">
-                <a16:creationId xmlns:a16="http://schemas.microsoft.com/office/drawing/2014/main" id="{FD34E2EB-BECE-E578-472F-DBECA909787B}"/>
+                <a16:creationId xmlns:a16="http://schemas.microsoft.com/office/drawing/2014/main" id="{BD12B8A5-9D51-5C0B-4AF7-B1E99D50D38A}"/>
               </a:ext>
             </a:extLst>
           </p:cNvPr>
@@ -1730,7 +1730,7 @@
           <p:cNvPr id="6" name="内容占位符 5">
             <a:extLst>
               <a:ext uri="{FF2B5EF4-FFF2-40B4-BE49-F238E27FC236}">
-                <a16:creationId xmlns:a16="http://schemas.microsoft.com/office/drawing/2014/main" id="{B286BFA4-040A-AF29-C93D-689BC485CBC7}"/>
+                <a16:creationId xmlns:a16="http://schemas.microsoft.com/office/drawing/2014/main" id="{64BA3066-A14C-8163-43A7-0C22EACDD6E5}"/>
               </a:ext>
             </a:extLst>
           </p:cNvPr>
@@ -1792,7 +1792,7 @@
           <p:cNvPr id="7" name="日期占位符 6">
             <a:extLst>
               <a:ext uri="{FF2B5EF4-FFF2-40B4-BE49-F238E27FC236}">
-                <a16:creationId xmlns:a16="http://schemas.microsoft.com/office/drawing/2014/main" id="{5B46FCA8-38B0-A9FE-C797-078179C40283}"/>
+                <a16:creationId xmlns:a16="http://schemas.microsoft.com/office/drawing/2014/main" id="{8A3279C0-79D9-EC4E-64B9-9341F9893608}"/>
               </a:ext>
             </a:extLst>
           </p:cNvPr>
@@ -1808,7 +1808,7 @@
           <a:bodyPr/>
           <a:lstStyle/>
           <a:p>
-            <a:fld id="{653CF693-36C1-4AFC-98DB-A7466A32F433}" type="datetimeFigureOut">
+            <a:fld id="{0F7B5037-AECD-4101-949F-E818031DC580}" type="datetimeFigureOut">
               <a:rPr lang="zh-CN" altLang="en-US" smtClean="0"/>
               <a:t>2024/3/10</a:t>
             </a:fld>
@@ -1821,7 +1821,7 @@
           <p:cNvPr id="8" name="页脚占位符 7">
             <a:extLst>
               <a:ext uri="{FF2B5EF4-FFF2-40B4-BE49-F238E27FC236}">
-                <a16:creationId xmlns:a16="http://schemas.microsoft.com/office/drawing/2014/main" id="{33FA2CCD-E12E-FE47-6CC5-BC86F9477F98}"/>
+                <a16:creationId xmlns:a16="http://schemas.microsoft.com/office/drawing/2014/main" id="{AC321E98-B242-BF95-D045-3928FCEEB58F}"/>
               </a:ext>
             </a:extLst>
           </p:cNvPr>
@@ -1846,7 +1846,7 @@
           <p:cNvPr id="9" name="灯片编号占位符 8">
             <a:extLst>
               <a:ext uri="{FF2B5EF4-FFF2-40B4-BE49-F238E27FC236}">
-                <a16:creationId xmlns:a16="http://schemas.microsoft.com/office/drawing/2014/main" id="{44303BE1-BA52-2167-88DF-5C83871709C3}"/>
+                <a16:creationId xmlns:a16="http://schemas.microsoft.com/office/drawing/2014/main" id="{E0A9BA33-7504-401D-C0E4-1C8BBAF13662}"/>
               </a:ext>
             </a:extLst>
           </p:cNvPr>
@@ -1862,7 +1862,7 @@
           <a:bodyPr/>
           <a:lstStyle/>
           <a:p>
-            <a:fld id="{A1195776-DFCB-4824-B2CF-49143300E092}" type="slidenum">
+            <a:fld id="{02F38C86-35F3-4838-8C96-5D29188CB07E}" type="slidenum">
               <a:rPr lang="zh-CN" altLang="en-US" smtClean="0"/>
               <a:t>‹#›</a:t>
             </a:fld>
@@ -1873,7 +1873,7 @@
     </p:spTree>
     <p:extLst>
       <p:ext uri="{BB962C8B-B14F-4D97-AF65-F5344CB8AC3E}">
-        <p14:creationId xmlns:p14="http://schemas.microsoft.com/office/powerpoint/2010/main" val="2807386223"/>
+        <p14:creationId xmlns:p14="http://schemas.microsoft.com/office/powerpoint/2010/main" val="3273037777"/>
       </p:ext>
     </p:extLst>
   </p:cSld>
@@ -1905,7 +1905,7 @@
           <p:cNvPr id="2" name="标题 1">
             <a:extLst>
               <a:ext uri="{FF2B5EF4-FFF2-40B4-BE49-F238E27FC236}">
-                <a16:creationId xmlns:a16="http://schemas.microsoft.com/office/drawing/2014/main" id="{E25974FD-2F9E-DD4B-01F8-0A748BCB90FF}"/>
+                <a16:creationId xmlns:a16="http://schemas.microsoft.com/office/drawing/2014/main" id="{28E88C67-EE45-56F2-20CE-2E9E28FA66B6}"/>
               </a:ext>
             </a:extLst>
           </p:cNvPr>
@@ -1933,7 +1933,7 @@
           <p:cNvPr id="3" name="日期占位符 2">
             <a:extLst>
               <a:ext uri="{FF2B5EF4-FFF2-40B4-BE49-F238E27FC236}">
-                <a16:creationId xmlns:a16="http://schemas.microsoft.com/office/drawing/2014/main" id="{8D54B3BB-4617-C1B8-BB54-88DBA14E8A0C}"/>
+                <a16:creationId xmlns:a16="http://schemas.microsoft.com/office/drawing/2014/main" id="{3C619437-0BC6-8A7B-A5CF-82DF0E2F6679}"/>
               </a:ext>
             </a:extLst>
           </p:cNvPr>
@@ -1949,7 +1949,7 @@
           <a:bodyPr/>
           <a:lstStyle/>
           <a:p>
-            <a:fld id="{653CF693-36C1-4AFC-98DB-A7466A32F433}" type="datetimeFigureOut">
+            <a:fld id="{0F7B5037-AECD-4101-949F-E818031DC580}" type="datetimeFigureOut">
               <a:rPr lang="zh-CN" altLang="en-US" smtClean="0"/>
               <a:t>2024/3/10</a:t>
             </a:fld>
@@ -1962,7 +1962,7 @@
           <p:cNvPr id="4" name="页脚占位符 3">
             <a:extLst>
               <a:ext uri="{FF2B5EF4-FFF2-40B4-BE49-F238E27FC236}">
-                <a16:creationId xmlns:a16="http://schemas.microsoft.com/office/drawing/2014/main" id="{E613EF9B-444E-975C-E736-FAF9A0193668}"/>
+                <a16:creationId xmlns:a16="http://schemas.microsoft.com/office/drawing/2014/main" id="{2A1004B1-0FD2-938B-D951-96048B7A7014}"/>
               </a:ext>
             </a:extLst>
           </p:cNvPr>
@@ -1987,7 +1987,7 @@
           <p:cNvPr id="5" name="灯片编号占位符 4">
             <a:extLst>
               <a:ext uri="{FF2B5EF4-FFF2-40B4-BE49-F238E27FC236}">
-                <a16:creationId xmlns:a16="http://schemas.microsoft.com/office/drawing/2014/main" id="{68E04425-A3E1-62FC-FD37-3D4D1CE05943}"/>
+                <a16:creationId xmlns:a16="http://schemas.microsoft.com/office/drawing/2014/main" id="{F2C9BF88-9E86-4076-937D-DAF60569DFB7}"/>
               </a:ext>
             </a:extLst>
           </p:cNvPr>
@@ -2003,7 +2003,7 @@
           <a:bodyPr/>
           <a:lstStyle/>
           <a:p>
-            <a:fld id="{A1195776-DFCB-4824-B2CF-49143300E092}" type="slidenum">
+            <a:fld id="{02F38C86-35F3-4838-8C96-5D29188CB07E}" type="slidenum">
               <a:rPr lang="zh-CN" altLang="en-US" smtClean="0"/>
               <a:t>‹#›</a:t>
             </a:fld>
@@ -2014,7 +2014,7 @@
     </p:spTree>
     <p:extLst>
       <p:ext uri="{BB962C8B-B14F-4D97-AF65-F5344CB8AC3E}">
-        <p14:creationId xmlns:p14="http://schemas.microsoft.com/office/powerpoint/2010/main" val="933776064"/>
+        <p14:creationId xmlns:p14="http://schemas.microsoft.com/office/powerpoint/2010/main" val="3303191122"/>
       </p:ext>
     </p:extLst>
   </p:cSld>
@@ -2046,7 +2046,7 @@
           <p:cNvPr id="2" name="日期占位符 1">
             <a:extLst>
               <a:ext uri="{FF2B5EF4-FFF2-40B4-BE49-F238E27FC236}">
-                <a16:creationId xmlns:a16="http://schemas.microsoft.com/office/drawing/2014/main" id="{355C4B11-969A-9A62-1B96-9D07EDD6E5D2}"/>
+                <a16:creationId xmlns:a16="http://schemas.microsoft.com/office/drawing/2014/main" id="{2443AD76-ECE0-A8E7-1078-9CCFAA7D2148}"/>
               </a:ext>
             </a:extLst>
           </p:cNvPr>
@@ -2062,7 +2062,7 @@
           <a:bodyPr/>
           <a:lstStyle/>
           <a:p>
-            <a:fld id="{653CF693-36C1-4AFC-98DB-A7466A32F433}" type="datetimeFigureOut">
+            <a:fld id="{0F7B5037-AECD-4101-949F-E818031DC580}" type="datetimeFigureOut">
               <a:rPr lang="zh-CN" altLang="en-US" smtClean="0"/>
               <a:t>2024/3/10</a:t>
             </a:fld>
@@ -2075,7 +2075,7 @@
           <p:cNvPr id="3" name="页脚占位符 2">
             <a:extLst>
               <a:ext uri="{FF2B5EF4-FFF2-40B4-BE49-F238E27FC236}">
-                <a16:creationId xmlns:a16="http://schemas.microsoft.com/office/drawing/2014/main" id="{5A187B6C-68AB-6BE1-A516-4407960912A5}"/>
+                <a16:creationId xmlns:a16="http://schemas.microsoft.com/office/drawing/2014/main" id="{46122A32-2058-2A07-A125-56E2B17C8655}"/>
               </a:ext>
             </a:extLst>
           </p:cNvPr>
@@ -2100,7 +2100,7 @@
           <p:cNvPr id="4" name="灯片编号占位符 3">
             <a:extLst>
               <a:ext uri="{FF2B5EF4-FFF2-40B4-BE49-F238E27FC236}">
-                <a16:creationId xmlns:a16="http://schemas.microsoft.com/office/drawing/2014/main" id="{46A881EA-EBA4-5859-A16B-53C847D21BBF}"/>
+                <a16:creationId xmlns:a16="http://schemas.microsoft.com/office/drawing/2014/main" id="{8FCD34C9-0B39-05D1-2BB5-6E6F28F28956}"/>
               </a:ext>
             </a:extLst>
           </p:cNvPr>
@@ -2116,7 +2116,7 @@
           <a:bodyPr/>
           <a:lstStyle/>
           <a:p>
-            <a:fld id="{A1195776-DFCB-4824-B2CF-49143300E092}" type="slidenum">
+            <a:fld id="{02F38C86-35F3-4838-8C96-5D29188CB07E}" type="slidenum">
               <a:rPr lang="zh-CN" altLang="en-US" smtClean="0"/>
               <a:t>‹#›</a:t>
             </a:fld>
@@ -2127,7 +2127,7 @@
     </p:spTree>
     <p:extLst>
       <p:ext uri="{BB962C8B-B14F-4D97-AF65-F5344CB8AC3E}">
-        <p14:creationId xmlns:p14="http://schemas.microsoft.com/office/powerpoint/2010/main" val="2275696248"/>
+        <p14:creationId xmlns:p14="http://schemas.microsoft.com/office/powerpoint/2010/main" val="3447997586"/>
       </p:ext>
     </p:extLst>
   </p:cSld>
@@ -2159,7 +2159,7 @@
           <p:cNvPr id="2" name="标题 1">
             <a:extLst>
               <a:ext uri="{FF2B5EF4-FFF2-40B4-BE49-F238E27FC236}">
-                <a16:creationId xmlns:a16="http://schemas.microsoft.com/office/drawing/2014/main" id="{25F3C047-5170-07BC-E79C-4FD0818DB265}"/>
+                <a16:creationId xmlns:a16="http://schemas.microsoft.com/office/drawing/2014/main" id="{16C47162-85D5-4529-4028-2F2759CB1110}"/>
               </a:ext>
             </a:extLst>
           </p:cNvPr>
@@ -2196,7 +2196,7 @@
           <p:cNvPr id="3" name="内容占位符 2">
             <a:extLst>
               <a:ext uri="{FF2B5EF4-FFF2-40B4-BE49-F238E27FC236}">
-                <a16:creationId xmlns:a16="http://schemas.microsoft.com/office/drawing/2014/main" id="{35FB6B09-52C3-F1C6-2D23-39CDBF6F156B}"/>
+                <a16:creationId xmlns:a16="http://schemas.microsoft.com/office/drawing/2014/main" id="{9DE28A1A-6157-356F-3903-3441C2FE2DA5}"/>
               </a:ext>
             </a:extLst>
           </p:cNvPr>
@@ -2286,7 +2286,7 @@
           <p:cNvPr id="4" name="文本占位符 3">
             <a:extLst>
               <a:ext uri="{FF2B5EF4-FFF2-40B4-BE49-F238E27FC236}">
-                <a16:creationId xmlns:a16="http://schemas.microsoft.com/office/drawing/2014/main" id="{22CC94A2-41CB-3971-E369-BE275C5CA380}"/>
+                <a16:creationId xmlns:a16="http://schemas.microsoft.com/office/drawing/2014/main" id="{18A79B57-F4F6-4825-A6D8-A91BFC59F497}"/>
               </a:ext>
             </a:extLst>
           </p:cNvPr>
@@ -2357,7 +2357,7 @@
           <p:cNvPr id="5" name="日期占位符 4">
             <a:extLst>
               <a:ext uri="{FF2B5EF4-FFF2-40B4-BE49-F238E27FC236}">
-                <a16:creationId xmlns:a16="http://schemas.microsoft.com/office/drawing/2014/main" id="{C212245D-AF76-3B38-14BA-7C27C7C6EC3A}"/>
+                <a16:creationId xmlns:a16="http://schemas.microsoft.com/office/drawing/2014/main" id="{7036EF2A-6E77-C79B-5F4B-826D73B500CC}"/>
               </a:ext>
             </a:extLst>
           </p:cNvPr>
@@ -2373,7 +2373,7 @@
           <a:bodyPr/>
           <a:lstStyle/>
           <a:p>
-            <a:fld id="{653CF693-36C1-4AFC-98DB-A7466A32F433}" type="datetimeFigureOut">
+            <a:fld id="{0F7B5037-AECD-4101-949F-E818031DC580}" type="datetimeFigureOut">
               <a:rPr lang="zh-CN" altLang="en-US" smtClean="0"/>
               <a:t>2024/3/10</a:t>
             </a:fld>
@@ -2386,7 +2386,7 @@
           <p:cNvPr id="6" name="页脚占位符 5">
             <a:extLst>
               <a:ext uri="{FF2B5EF4-FFF2-40B4-BE49-F238E27FC236}">
-                <a16:creationId xmlns:a16="http://schemas.microsoft.com/office/drawing/2014/main" id="{A4A9F429-E894-6B4C-6713-FE0C2BA2A9D5}"/>
+                <a16:creationId xmlns:a16="http://schemas.microsoft.com/office/drawing/2014/main" id="{35D006EC-181B-2E95-39F4-6EFB1C14D144}"/>
               </a:ext>
             </a:extLst>
           </p:cNvPr>
@@ -2411,7 +2411,7 @@
           <p:cNvPr id="7" name="灯片编号占位符 6">
             <a:extLst>
               <a:ext uri="{FF2B5EF4-FFF2-40B4-BE49-F238E27FC236}">
-                <a16:creationId xmlns:a16="http://schemas.microsoft.com/office/drawing/2014/main" id="{C2DC34A4-44E1-E0EE-CDCF-FA0B1DF51825}"/>
+                <a16:creationId xmlns:a16="http://schemas.microsoft.com/office/drawing/2014/main" id="{612804B2-DE99-B7A3-7766-603D250ED7DA}"/>
               </a:ext>
             </a:extLst>
           </p:cNvPr>
@@ -2427,7 +2427,7 @@
           <a:bodyPr/>
           <a:lstStyle/>
           <a:p>
-            <a:fld id="{A1195776-DFCB-4824-B2CF-49143300E092}" type="slidenum">
+            <a:fld id="{02F38C86-35F3-4838-8C96-5D29188CB07E}" type="slidenum">
               <a:rPr lang="zh-CN" altLang="en-US" smtClean="0"/>
               <a:t>‹#›</a:t>
             </a:fld>
@@ -2438,7 +2438,7 @@
     </p:spTree>
     <p:extLst>
       <p:ext uri="{BB962C8B-B14F-4D97-AF65-F5344CB8AC3E}">
-        <p14:creationId xmlns:p14="http://schemas.microsoft.com/office/powerpoint/2010/main" val="1905492871"/>
+        <p14:creationId xmlns:p14="http://schemas.microsoft.com/office/powerpoint/2010/main" val="3809094336"/>
       </p:ext>
     </p:extLst>
   </p:cSld>
@@ -2470,7 +2470,7 @@
           <p:cNvPr id="2" name="标题 1">
             <a:extLst>
               <a:ext uri="{FF2B5EF4-FFF2-40B4-BE49-F238E27FC236}">
-                <a16:creationId xmlns:a16="http://schemas.microsoft.com/office/drawing/2014/main" id="{0E3216F2-A3DE-1568-84EE-B1A2B25C438A}"/>
+                <a16:creationId xmlns:a16="http://schemas.microsoft.com/office/drawing/2014/main" id="{ED5118BF-D6FC-0C62-D7A0-DEB366773597}"/>
               </a:ext>
             </a:extLst>
           </p:cNvPr>
@@ -2507,7 +2507,7 @@
           <p:cNvPr id="3" name="图片占位符 2">
             <a:extLst>
               <a:ext uri="{FF2B5EF4-FFF2-40B4-BE49-F238E27FC236}">
-                <a16:creationId xmlns:a16="http://schemas.microsoft.com/office/drawing/2014/main" id="{12C42344-DAA8-A3AD-807F-6A5F54F150CF}"/>
+                <a16:creationId xmlns:a16="http://schemas.microsoft.com/office/drawing/2014/main" id="{F5DE4788-8276-47E1-484C-E98809B4B541}"/>
               </a:ext>
             </a:extLst>
           </p:cNvPr>
@@ -2574,7 +2574,7 @@
           <p:cNvPr id="4" name="文本占位符 3">
             <a:extLst>
               <a:ext uri="{FF2B5EF4-FFF2-40B4-BE49-F238E27FC236}">
-                <a16:creationId xmlns:a16="http://schemas.microsoft.com/office/drawing/2014/main" id="{6CD4D124-1EE4-75A1-DDD4-0BE71D7006EC}"/>
+                <a16:creationId xmlns:a16="http://schemas.microsoft.com/office/drawing/2014/main" id="{C5FB8245-6E7A-7918-CFED-D3263FD82C8E}"/>
               </a:ext>
             </a:extLst>
           </p:cNvPr>
@@ -2645,7 +2645,7 @@
           <p:cNvPr id="5" name="日期占位符 4">
             <a:extLst>
               <a:ext uri="{FF2B5EF4-FFF2-40B4-BE49-F238E27FC236}">
-                <a16:creationId xmlns:a16="http://schemas.microsoft.com/office/drawing/2014/main" id="{108601C1-C54E-BDA7-8AD9-91E026240510}"/>
+                <a16:creationId xmlns:a16="http://schemas.microsoft.com/office/drawing/2014/main" id="{14EE4469-EB73-1142-2F13-C5415A720D83}"/>
               </a:ext>
             </a:extLst>
           </p:cNvPr>
@@ -2661,7 +2661,7 @@
           <a:bodyPr/>
           <a:lstStyle/>
           <a:p>
-            <a:fld id="{653CF693-36C1-4AFC-98DB-A7466A32F433}" type="datetimeFigureOut">
+            <a:fld id="{0F7B5037-AECD-4101-949F-E818031DC580}" type="datetimeFigureOut">
               <a:rPr lang="zh-CN" altLang="en-US" smtClean="0"/>
               <a:t>2024/3/10</a:t>
             </a:fld>
@@ -2674,7 +2674,7 @@
           <p:cNvPr id="6" name="页脚占位符 5">
             <a:extLst>
               <a:ext uri="{FF2B5EF4-FFF2-40B4-BE49-F238E27FC236}">
-                <a16:creationId xmlns:a16="http://schemas.microsoft.com/office/drawing/2014/main" id="{22F468C4-F192-5E4B-7D21-DF6BC7B6E738}"/>
+                <a16:creationId xmlns:a16="http://schemas.microsoft.com/office/drawing/2014/main" id="{2D8D7D9E-4563-D3D0-C828-C36B3498C528}"/>
               </a:ext>
             </a:extLst>
           </p:cNvPr>
@@ -2699,7 +2699,7 @@
           <p:cNvPr id="7" name="灯片编号占位符 6">
             <a:extLst>
               <a:ext uri="{FF2B5EF4-FFF2-40B4-BE49-F238E27FC236}">
-                <a16:creationId xmlns:a16="http://schemas.microsoft.com/office/drawing/2014/main" id="{EDA4E36E-0595-1B73-886F-7D5C0B43E944}"/>
+                <a16:creationId xmlns:a16="http://schemas.microsoft.com/office/drawing/2014/main" id="{ECB6C611-CE7F-B694-730E-663DC6E028BE}"/>
               </a:ext>
             </a:extLst>
           </p:cNvPr>
@@ -2715,7 +2715,7 @@
           <a:bodyPr/>
           <a:lstStyle/>
           <a:p>
-            <a:fld id="{A1195776-DFCB-4824-B2CF-49143300E092}" type="slidenum">
+            <a:fld id="{02F38C86-35F3-4838-8C96-5D29188CB07E}" type="slidenum">
               <a:rPr lang="zh-CN" altLang="en-US" smtClean="0"/>
               <a:t>‹#›</a:t>
             </a:fld>
@@ -2726,7 +2726,7 @@
     </p:spTree>
     <p:extLst>
       <p:ext uri="{BB962C8B-B14F-4D97-AF65-F5344CB8AC3E}">
-        <p14:creationId xmlns:p14="http://schemas.microsoft.com/office/powerpoint/2010/main" val="461465276"/>
+        <p14:creationId xmlns:p14="http://schemas.microsoft.com/office/powerpoint/2010/main" val="341159340"/>
       </p:ext>
     </p:extLst>
   </p:cSld>
@@ -2763,7 +2763,7 @@
           <p:cNvPr id="2" name="标题占位符 1">
             <a:extLst>
               <a:ext uri="{FF2B5EF4-FFF2-40B4-BE49-F238E27FC236}">
-                <a16:creationId xmlns:a16="http://schemas.microsoft.com/office/drawing/2014/main" id="{6894E318-20FB-5A4E-8C33-AD997DA7A8A0}"/>
+                <a16:creationId xmlns:a16="http://schemas.microsoft.com/office/drawing/2014/main" id="{6019F3D3-A7D3-CC35-F24D-6647BBB51D37}"/>
               </a:ext>
             </a:extLst>
           </p:cNvPr>
@@ -2801,7 +2801,7 @@
           <p:cNvPr id="3" name="文本占位符 2">
             <a:extLst>
               <a:ext uri="{FF2B5EF4-FFF2-40B4-BE49-F238E27FC236}">
-                <a16:creationId xmlns:a16="http://schemas.microsoft.com/office/drawing/2014/main" id="{7145FDC6-22D0-BEBD-9A7B-4C8A37A475D9}"/>
+                <a16:creationId xmlns:a16="http://schemas.microsoft.com/office/drawing/2014/main" id="{A7C243F7-D620-CA9D-1DC1-7B8C1034F016}"/>
               </a:ext>
             </a:extLst>
           </p:cNvPr>
@@ -2868,7 +2868,7 @@
           <p:cNvPr id="4" name="日期占位符 3">
             <a:extLst>
               <a:ext uri="{FF2B5EF4-FFF2-40B4-BE49-F238E27FC236}">
-                <a16:creationId xmlns:a16="http://schemas.microsoft.com/office/drawing/2014/main" id="{2E512C7C-1C3A-7FB4-3C66-2AAB714466F1}"/>
+                <a16:creationId xmlns:a16="http://schemas.microsoft.com/office/drawing/2014/main" id="{EB26816B-92CE-5A74-DC0A-A9D7B3EDA69F}"/>
               </a:ext>
             </a:extLst>
           </p:cNvPr>
@@ -2902,7 +2902,7 @@
             </a:lvl1pPr>
           </a:lstStyle>
           <a:p>
-            <a:fld id="{653CF693-36C1-4AFC-98DB-A7466A32F433}" type="datetimeFigureOut">
+            <a:fld id="{0F7B5037-AECD-4101-949F-E818031DC580}" type="datetimeFigureOut">
               <a:rPr lang="zh-CN" altLang="en-US" smtClean="0"/>
               <a:t>2024/3/10</a:t>
             </a:fld>
@@ -2915,7 +2915,7 @@
           <p:cNvPr id="5" name="页脚占位符 4">
             <a:extLst>
               <a:ext uri="{FF2B5EF4-FFF2-40B4-BE49-F238E27FC236}">
-                <a16:creationId xmlns:a16="http://schemas.microsoft.com/office/drawing/2014/main" id="{7B3F8DD7-048E-1309-8173-E6CFF12A04FA}"/>
+                <a16:creationId xmlns:a16="http://schemas.microsoft.com/office/drawing/2014/main" id="{86D78C16-E899-76CD-E157-37977040F054}"/>
               </a:ext>
             </a:extLst>
           </p:cNvPr>
@@ -2958,7 +2958,7 @@
           <p:cNvPr id="6" name="灯片编号占位符 5">
             <a:extLst>
               <a:ext uri="{FF2B5EF4-FFF2-40B4-BE49-F238E27FC236}">
-                <a16:creationId xmlns:a16="http://schemas.microsoft.com/office/drawing/2014/main" id="{264DCE1E-4D4A-232F-E26C-9D615225BEE8}"/>
+                <a16:creationId xmlns:a16="http://schemas.microsoft.com/office/drawing/2014/main" id="{ED3F45A8-B8AB-4270-B130-5E0FB2D0D689}"/>
               </a:ext>
             </a:extLst>
           </p:cNvPr>
@@ -2992,7 +2992,7 @@
             </a:lvl1pPr>
           </a:lstStyle>
           <a:p>
-            <a:fld id="{A1195776-DFCB-4824-B2CF-49143300E092}" type="slidenum">
+            <a:fld id="{02F38C86-35F3-4838-8C96-5D29188CB07E}" type="slidenum">
               <a:rPr lang="zh-CN" altLang="en-US" smtClean="0"/>
               <a:t>‹#›</a:t>
             </a:fld>
@@ -3003,7 +3003,7 @@
     </p:spTree>
     <p:extLst>
       <p:ext uri="{BB962C8B-B14F-4D97-AF65-F5344CB8AC3E}">
-        <p14:creationId xmlns:p14="http://schemas.microsoft.com/office/powerpoint/2010/main" val="3749258965"/>
+        <p14:creationId xmlns:p14="http://schemas.microsoft.com/office/powerpoint/2010/main" val="1924719489"/>
       </p:ext>
     </p:extLst>
   </p:cSld>
